--- a/docs/posterit/Posteri/posteri_FINAL.pptx
+++ b/docs/posterit/Posteri/posteri_FINAL.pptx
@@ -8,7 +8,7 @@
     <p:sldId id="259" r:id="rId2"/>
   </p:sldIdLst>
   <p:sldSz cx="21386800" cy="15122525"/>
-  <p:notesSz cx="9144000" cy="6858000"/>
+  <p:notesSz cx="9872663" cy="6742113"/>
   <p:defaultTextStyle>
     <a:defPPr>
       <a:defRPr lang="fi-FI"/>
@@ -104,6 +104,22 @@
       </a:defRPr>
     </a:lvl9pPr>
   </p:defaultTextStyle>
+  <p:extLst>
+    <p:ext uri="{EFAFB233-063F-42B5-8137-9DF3F51BA10A}">
+      <p15:sldGuideLst xmlns:p15="http://schemas.microsoft.com/office/powerpoint/2012/main">
+        <p15:guide id="1" orient="horz" pos="4763">
+          <p15:clr>
+            <a:srgbClr val="A4A3A4"/>
+          </p15:clr>
+        </p15:guide>
+        <p15:guide id="2" pos="6736">
+          <p15:clr>
+            <a:srgbClr val="A4A3A4"/>
+          </p15:clr>
+        </p15:guide>
+      </p15:sldGuideLst>
+    </p:ext>
+  </p:extLst>
 </p:presentation>
 </file>
 
@@ -288,7 +304,7 @@
           <a:p>
             <a:fld id="{D672AF66-0BE7-423D-A1D1-0E9F1936AD3A}" type="datetimeFigureOut">
               <a:rPr lang="fi-FI" smtClean="0"/>
-              <a:t>27.10.2015</a:t>
+              <a:t>5.4.2017</a:t>
             </a:fld>
             <a:endParaRPr lang="fi-FI"/>
           </a:p>
@@ -453,7 +469,7 @@
           <a:p>
             <a:fld id="{D672AF66-0BE7-423D-A1D1-0E9F1936AD3A}" type="datetimeFigureOut">
               <a:rPr lang="fi-FI" smtClean="0"/>
-              <a:t>27.10.2015</a:t>
+              <a:t>5.4.2017</a:t>
             </a:fld>
             <a:endParaRPr lang="fi-FI"/>
           </a:p>
@@ -628,7 +644,7 @@
           <a:p>
             <a:fld id="{D672AF66-0BE7-423D-A1D1-0E9F1936AD3A}" type="datetimeFigureOut">
               <a:rPr lang="fi-FI" smtClean="0"/>
-              <a:t>27.10.2015</a:t>
+              <a:t>5.4.2017</a:t>
             </a:fld>
             <a:endParaRPr lang="fi-FI"/>
           </a:p>
@@ -793,7 +809,7 @@
           <a:p>
             <a:fld id="{D672AF66-0BE7-423D-A1D1-0E9F1936AD3A}" type="datetimeFigureOut">
               <a:rPr lang="fi-FI" smtClean="0"/>
-              <a:t>27.10.2015</a:t>
+              <a:t>5.4.2017</a:t>
             </a:fld>
             <a:endParaRPr lang="fi-FI"/>
           </a:p>
@@ -1034,7 +1050,7 @@
           <a:p>
             <a:fld id="{D672AF66-0BE7-423D-A1D1-0E9F1936AD3A}" type="datetimeFigureOut">
               <a:rPr lang="fi-FI" smtClean="0"/>
-              <a:t>27.10.2015</a:t>
+              <a:t>5.4.2017</a:t>
             </a:fld>
             <a:endParaRPr lang="fi-FI"/>
           </a:p>
@@ -1317,7 +1333,7 @@
           <a:p>
             <a:fld id="{D672AF66-0BE7-423D-A1D1-0E9F1936AD3A}" type="datetimeFigureOut">
               <a:rPr lang="fi-FI" smtClean="0"/>
-              <a:t>27.10.2015</a:t>
+              <a:t>5.4.2017</a:t>
             </a:fld>
             <a:endParaRPr lang="fi-FI"/>
           </a:p>
@@ -1734,7 +1750,7 @@
           <a:p>
             <a:fld id="{D672AF66-0BE7-423D-A1D1-0E9F1936AD3A}" type="datetimeFigureOut">
               <a:rPr lang="fi-FI" smtClean="0"/>
-              <a:t>27.10.2015</a:t>
+              <a:t>5.4.2017</a:t>
             </a:fld>
             <a:endParaRPr lang="fi-FI"/>
           </a:p>
@@ -1847,7 +1863,7 @@
           <a:p>
             <a:fld id="{D672AF66-0BE7-423D-A1D1-0E9F1936AD3A}" type="datetimeFigureOut">
               <a:rPr lang="fi-FI" smtClean="0"/>
-              <a:t>27.10.2015</a:t>
+              <a:t>5.4.2017</a:t>
             </a:fld>
             <a:endParaRPr lang="fi-FI"/>
           </a:p>
@@ -1937,7 +1953,7 @@
           <a:p>
             <a:fld id="{D672AF66-0BE7-423D-A1D1-0E9F1936AD3A}" type="datetimeFigureOut">
               <a:rPr lang="fi-FI" smtClean="0"/>
-              <a:t>27.10.2015</a:t>
+              <a:t>5.4.2017</a:t>
             </a:fld>
             <a:endParaRPr lang="fi-FI"/>
           </a:p>
@@ -2209,7 +2225,7 @@
           <a:p>
             <a:fld id="{D672AF66-0BE7-423D-A1D1-0E9F1936AD3A}" type="datetimeFigureOut">
               <a:rPr lang="fi-FI" smtClean="0"/>
-              <a:t>27.10.2015</a:t>
+              <a:t>5.4.2017</a:t>
             </a:fld>
             <a:endParaRPr lang="fi-FI"/>
           </a:p>
@@ -2457,7 +2473,7 @@
           <a:p>
             <a:fld id="{D672AF66-0BE7-423D-A1D1-0E9F1936AD3A}" type="datetimeFigureOut">
               <a:rPr lang="fi-FI" smtClean="0"/>
-              <a:t>27.10.2015</a:t>
+              <a:t>5.4.2017</a:t>
             </a:fld>
             <a:endParaRPr lang="fi-FI"/>
           </a:p>
@@ -2665,7 +2681,7 @@
           <a:p>
             <a:fld id="{D672AF66-0BE7-423D-A1D1-0E9F1936AD3A}" type="datetimeFigureOut">
               <a:rPr lang="fi-FI" smtClean="0"/>
-              <a:t>27.10.2015</a:t>
+              <a:t>5.4.2017</a:t>
             </a:fld>
             <a:endParaRPr lang="fi-FI"/>
           </a:p>
@@ -4527,18 +4543,7 @@
                   <a:ea typeface="Verdana" panose="020B0604030504040204" pitchFamily="34" charset="0"/>
                   <a:cs typeface="Verdana" panose="020B0604030504040204" pitchFamily="34" charset="0"/>
                 </a:rPr>
-                <a:t>, annettuja </a:t>
-              </a:r>
-              <a:r>
-                <a:rPr lang="fi-FI" sz="1800" dirty="0" smtClean="0">
-                  <a:solidFill>
-                    <a:srgbClr val="16373A"/>
-                  </a:solidFill>
-                  <a:latin typeface="Verdana" panose="020B0604030504040204" pitchFamily="34" charset="0"/>
-                  <a:ea typeface="Verdana" panose="020B0604030504040204" pitchFamily="34" charset="0"/>
-                  <a:cs typeface="Verdana" panose="020B0604030504040204" pitchFamily="34" charset="0"/>
-                </a:rPr>
-                <a:t>pisteitä, ja </a:t>
+                <a:t>, annettuja pisteitä, ja </a:t>
               </a:r>
               <a:r>
                 <a:rPr lang="fi-FI" sz="1800" b="1" i="1" dirty="0" smtClean="0">
@@ -4683,9 +4688,9 @@
         <p:grpSpPr>
           <a:xfrm>
             <a:off x="12061648" y="12015155"/>
-            <a:ext cx="8744309" cy="2910939"/>
+            <a:ext cx="8748290" cy="2921542"/>
             <a:chOff x="12801848" y="12358264"/>
-            <a:chExt cx="8744309" cy="2910939"/>
+            <a:chExt cx="8748290" cy="2921542"/>
           </a:xfrm>
         </p:grpSpPr>
         <p:pic>
@@ -4783,8 +4788,16 @@
                   <a:ea typeface="Verdana" panose="020B0604030504040204" pitchFamily="34" charset="0"/>
                   <a:cs typeface="Verdana" panose="020B0604030504040204" pitchFamily="34" charset="0"/>
                 </a:rPr>
-                <a:t>Tietotekniikan laitos</a:t>
+                <a:t>Informaatioteknologian tiedekunta</a:t>
               </a:r>
+              <a:endParaRPr lang="fi-FI" sz="2400" dirty="0" smtClean="0">
+                <a:solidFill>
+                  <a:srgbClr val="16373A"/>
+                </a:solidFill>
+                <a:latin typeface="Verdana" panose="020B0604030504040204" pitchFamily="34" charset="0"/>
+                <a:ea typeface="Verdana" panose="020B0604030504040204" pitchFamily="34" charset="0"/>
+                <a:cs typeface="Verdana" panose="020B0604030504040204" pitchFamily="34" charset="0"/>
+              </a:endParaRPr>
             </a:p>
             <a:p>
               <a:r>
@@ -4809,7 +4822,101 @@
             </a:p>
           </p:txBody>
         </p:sp>
+        <p:pic>
+          <p:nvPicPr>
+            <p:cNvPr id="37" name="Picture 2"/>
+            <p:cNvPicPr>
+              <a:picLocks noChangeAspect="1" noChangeArrowheads="1"/>
+            </p:cNvPicPr>
+            <p:nvPr/>
+          </p:nvPicPr>
+          <p:blipFill>
+            <a:blip r:embed="rId19" cstate="print">
+              <a:extLst>
+                <a:ext uri="{28A0092B-C50C-407E-A947-70E740481C1C}">
+                  <a14:useLocalDpi xmlns:a14="http://schemas.microsoft.com/office/drawing/2010/main" val="0"/>
+                </a:ext>
+              </a:extLst>
+            </a:blip>
+            <a:srcRect/>
+            <a:stretch>
+              <a:fillRect/>
+            </a:stretch>
+          </p:blipFill>
+          <p:spPr bwMode="auto">
+            <a:xfrm>
+              <a:off x="12805829" y="12368867"/>
+              <a:ext cx="8744309" cy="2910939"/>
+            </a:xfrm>
+            <a:prstGeom prst="rect">
+              <a:avLst/>
+            </a:prstGeom>
+            <a:noFill/>
+            <a:ln>
+              <a:noFill/>
+            </a:ln>
+            <a:effectLst/>
+            <a:extLst>
+              <a:ext uri="{909E8E84-426E-40DD-AFC4-6F175D3DCCD1}">
+                <a14:hiddenFill xmlns:a14="http://schemas.microsoft.com/office/drawing/2010/main">
+                  <a:solidFill>
+                    <a:schemeClr val="accent1"/>
+                  </a:solidFill>
+                </a14:hiddenFill>
+              </a:ext>
+              <a:ext uri="{91240B29-F687-4F45-9708-019B960494DF}">
+                <a14:hiddenLine xmlns:a14="http://schemas.microsoft.com/office/drawing/2010/main" w="9525">
+                  <a:solidFill>
+                    <a:schemeClr val="tx1"/>
+                  </a:solidFill>
+                  <a:miter lim="800000"/>
+                  <a:headEnd/>
+                  <a:tailEnd/>
+                </a14:hiddenLine>
+              </a:ext>
+              <a:ext uri="{AF507438-7753-43E0-B8FC-AC1667EBCBE1}">
+                <a14:hiddenEffects xmlns:a14="http://schemas.microsoft.com/office/drawing/2010/main">
+                  <a:effectLst>
+                    <a:outerShdw dist="35921" dir="2700000" algn="ctr" rotWithShape="0">
+                      <a:schemeClr val="bg2"/>
+                    </a:outerShdw>
+                  </a:effectLst>
+                </a14:hiddenEffects>
+              </a:ext>
+            </a:extLst>
+          </p:spPr>
+        </p:pic>
       </p:grpSp>
+      <p:sp>
+        <p:nvSpPr>
+          <p:cNvPr id="10" name="TextBox 9"/>
+          <p:cNvSpPr txBox="1"/>
+          <p:nvPr/>
+        </p:nvSpPr>
+        <p:spPr>
+          <a:xfrm>
+            <a:off x="1239080" y="2913836"/>
+            <a:ext cx="3831562" cy="461665"/>
+          </a:xfrm>
+          <a:prstGeom prst="rect">
+            <a:avLst/>
+          </a:prstGeom>
+          <a:noFill/>
+        </p:spPr>
+        <p:txBody>
+          <a:bodyPr wrap="none" rtlCol="0">
+            <a:spAutoFit/>
+          </a:bodyPr>
+          <a:lstStyle/>
+          <a:p>
+            <a:r>
+              <a:rPr lang="en-US" sz="2400" dirty="0" smtClean="0"/>
+              <a:t>https://tim.jyu.fi    tim@jyu.fi</a:t>
+            </a:r>
+            <a:endParaRPr lang="en-US" sz="2400" dirty="0"/>
+          </a:p>
+        </p:txBody>
+      </p:sp>
     </p:spTree>
     <p:extLst>
       <p:ext uri="{BB962C8B-B14F-4D97-AF65-F5344CB8AC3E}">
